--- a/01. Front-End Web/01. Presentations/PPT/14. CSS Centering Page.pptx
+++ b/01. Front-End Web/01. Presentations/PPT/14. CSS Centering Page.pptx
@@ -111,7 +111,7 @@
   </p:defaultTextStyle>
   <p:extLst>
     <p:ext uri="{EFAFB233-063F-42B5-8137-9DF3F51BA10A}">
-      <p15:sldGuideLst xmlns="" xmlns:p15="http://schemas.microsoft.com/office/powerpoint/2012/main"/>
+      <p15:sldGuideLst xmlns:p15="http://schemas.microsoft.com/office/powerpoint/2012/main" xmlns=""/>
     </p:ext>
   </p:extLst>
 </p:presentation>
@@ -1023,7 +1023,7 @@
           <p:cNvPr id="7" name="Footer Placeholder 4">
             <a:extLst>
               <a:ext uri="{FF2B5EF4-FFF2-40B4-BE49-F238E27FC236}">
-                <a16:creationId xmlns="" xmlns:a16="http://schemas.microsoft.com/office/drawing/2014/main" id="{D057E4A9-8BC1-4D03-B0CD-00353C3D487D}"/>
+                <a16:creationId xmlns:a16="http://schemas.microsoft.com/office/drawing/2014/main" xmlns="" id="{D057E4A9-8BC1-4D03-B0CD-00353C3D487D}"/>
               </a:ext>
             </a:extLst>
           </p:cNvPr>
@@ -3928,11 +3928,7 @@
             <a:pPr algn="ctr"/>
             <a:r>
               <a:rPr lang="en-US" sz="7200" b="1" dirty="0" smtClean="0"/>
-              <a:t>CSS </a:t>
-            </a:r>
-            <a:r>
-              <a:rPr lang="en-US" sz="7200" b="1" dirty="0" smtClean="0"/>
-              <a:t>Page Centering</a:t>
+              <a:t>CSS Page Centering</a:t>
             </a:r>
             <a:endParaRPr lang="en-PH" sz="7200" b="1" dirty="0"/>
           </a:p>
@@ -4001,7 +3997,6 @@
               <a:rPr lang="en-US" sz="4000" b="1" dirty="0" smtClean="0"/>
               <a:t>Page Centering</a:t>
             </a:r>
-            <a:endParaRPr lang="en-US" sz="4000" b="1" dirty="0" smtClean="0"/>
           </a:p>
           <a:p>
             <a:endParaRPr lang="en-US" sz="4000" b="1" dirty="0" smtClean="0"/>
@@ -4027,7 +4022,6 @@
               <a:rPr lang="en-US" sz="4000" b="1" dirty="0" smtClean="0"/>
               <a:t> task in web design</a:t>
             </a:r>
-            <a:endParaRPr lang="en-US" sz="4000" b="1" dirty="0" smtClean="0"/>
           </a:p>
           <a:p>
             <a:pPr marL="571500" indent="-571500">
@@ -4107,7 +4101,7 @@
         <p:spPr>
           <a:xfrm>
             <a:off x="417576" y="245781"/>
-            <a:ext cx="11430000" cy="1831271"/>
+            <a:ext cx="11430000" cy="3801041"/>
           </a:xfrm>
           <a:prstGeom prst="rect">
             <a:avLst/>
@@ -4124,7 +4118,6 @@
               <a:rPr lang="en-US" sz="4000" b="1" dirty="0" smtClean="0"/>
               <a:t>Common Method</a:t>
             </a:r>
-            <a:endParaRPr lang="en-US" sz="4000" b="1" dirty="0" smtClean="0"/>
           </a:p>
           <a:p>
             <a:endParaRPr lang="en-US" sz="2500" b="1" dirty="0" smtClean="0"/>
@@ -4136,7 +4129,50 @@
                   <a:srgbClr val="0070C0"/>
                 </a:solidFill>
               </a:rPr>
-              <a:t>margin: auto</a:t>
+              <a:t>margin: </a:t>
+            </a:r>
+            <a:r>
+              <a:rPr lang="en-US" sz="4400" b="1" dirty="0" smtClean="0">
+                <a:solidFill>
+                  <a:srgbClr val="0070C0"/>
+                </a:solidFill>
+              </a:rPr>
+              <a:t>auto</a:t>
+            </a:r>
+          </a:p>
+          <a:p>
+            <a:endParaRPr lang="en-US" sz="4400" b="1" dirty="0">
+              <a:solidFill>
+                <a:srgbClr val="0070C0"/>
+              </a:solidFill>
+            </a:endParaRPr>
+          </a:p>
+          <a:p>
+            <a:r>
+              <a:rPr lang="en-US" sz="4400" b="1" dirty="0" smtClean="0">
+                <a:solidFill>
+                  <a:srgbClr val="0070C0"/>
+                </a:solidFill>
+              </a:rPr>
+              <a:t>position: absolute; </a:t>
+            </a:r>
+          </a:p>
+          <a:p>
+            <a:r>
+              <a:rPr lang="en-US" sz="4400" b="1" dirty="0">
+                <a:solidFill>
+                  <a:srgbClr val="0070C0"/>
+                </a:solidFill>
+              </a:rPr>
+              <a:t>t</a:t>
+            </a:r>
+            <a:r>
+              <a:rPr lang="en-US" sz="4400" b="1" dirty="0" smtClean="0">
+                <a:solidFill>
+                  <a:srgbClr val="0070C0"/>
+                </a:solidFill>
+              </a:rPr>
+              <a:t>ransform: translate(x, y):</a:t>
             </a:r>
             <a:endParaRPr lang="en-US" sz="4400" b="1" dirty="0" smtClean="0">
               <a:solidFill>
@@ -4706,7 +4742,7 @@
   <a:extraClrSchemeLst/>
   <a:extLst>
     <a:ext uri="{05A4C25C-085E-4340-85A3-A5531E510DB2}">
-      <thm15:themeFamily xmlns="" xmlns:thm15="http://schemas.microsoft.com/office/thememl/2012/main" name="Office Theme" id="{62F939B6-93AF-4DB8-9C6B-D6C7DFDC589F}" vid="{4A3C46E8-61CC-4603-A589-7422A47A8E4A}"/>
+      <thm15:themeFamily xmlns:thm15="http://schemas.microsoft.com/office/thememl/2012/main" xmlns="" name="Office Theme" id="{62F939B6-93AF-4DB8-9C6B-D6C7DFDC589F}" vid="{4A3C46E8-61CC-4603-A589-7422A47A8E4A}"/>
     </a:ext>
   </a:extLst>
 </a:theme>
